--- a/docs/diagrams/StorageComponentClassDiagram.pptx
+++ b/docs/diagrams/StorageComponentClassDiagram.pptx
@@ -208,7 +208,7 @@
           <a:p>
             <a:fld id="{F5CC4B3F-88C1-4FFA-B1B6-F41C21DC6924}" type="datetimeFigureOut">
               <a:rPr lang="en-US" smtClean="0"/>
-              <a:t>12/1/2018</a:t>
+              <a:t>09-Apr-19</a:t>
             </a:fld>
             <a:endParaRPr lang="en-US"/>
           </a:p>
@@ -654,7 +654,7 @@
           <a:p>
             <a:fld id="{78C97017-6FC3-485B-9764-EAC9E56C1D49}" type="datetimeFigureOut">
               <a:rPr lang="en-US" smtClean="0"/>
-              <a:t>12/1/2018</a:t>
+              <a:t>09-Apr-19</a:t>
             </a:fld>
             <a:endParaRPr lang="en-US"/>
           </a:p>
@@ -822,7 +822,7 @@
           <a:p>
             <a:fld id="{78C97017-6FC3-485B-9764-EAC9E56C1D49}" type="datetimeFigureOut">
               <a:rPr lang="en-US" smtClean="0"/>
-              <a:t>12/1/2018</a:t>
+              <a:t>09-Apr-19</a:t>
             </a:fld>
             <a:endParaRPr lang="en-US"/>
           </a:p>
@@ -1000,7 +1000,7 @@
           <a:p>
             <a:fld id="{78C97017-6FC3-485B-9764-EAC9E56C1D49}" type="datetimeFigureOut">
               <a:rPr lang="en-US" smtClean="0"/>
-              <a:t>12/1/2018</a:t>
+              <a:t>09-Apr-19</a:t>
             </a:fld>
             <a:endParaRPr lang="en-US"/>
           </a:p>
@@ -1168,7 +1168,7 @@
           <a:p>
             <a:fld id="{78C97017-6FC3-485B-9764-EAC9E56C1D49}" type="datetimeFigureOut">
               <a:rPr lang="en-US" smtClean="0"/>
-              <a:t>12/1/2018</a:t>
+              <a:t>09-Apr-19</a:t>
             </a:fld>
             <a:endParaRPr lang="en-US"/>
           </a:p>
@@ -1413,7 +1413,7 @@
           <a:p>
             <a:fld id="{78C97017-6FC3-485B-9764-EAC9E56C1D49}" type="datetimeFigureOut">
               <a:rPr lang="en-US" smtClean="0"/>
-              <a:t>12/1/2018</a:t>
+              <a:t>09-Apr-19</a:t>
             </a:fld>
             <a:endParaRPr lang="en-US"/>
           </a:p>
@@ -1698,7 +1698,7 @@
           <a:p>
             <a:fld id="{78C97017-6FC3-485B-9764-EAC9E56C1D49}" type="datetimeFigureOut">
               <a:rPr lang="en-US" smtClean="0"/>
-              <a:t>12/1/2018</a:t>
+              <a:t>09-Apr-19</a:t>
             </a:fld>
             <a:endParaRPr lang="en-US"/>
           </a:p>
@@ -2117,7 +2117,7 @@
           <a:p>
             <a:fld id="{78C97017-6FC3-485B-9764-EAC9E56C1D49}" type="datetimeFigureOut">
               <a:rPr lang="en-US" smtClean="0"/>
-              <a:t>12/1/2018</a:t>
+              <a:t>09-Apr-19</a:t>
             </a:fld>
             <a:endParaRPr lang="en-US"/>
           </a:p>
@@ -2234,7 +2234,7 @@
           <a:p>
             <a:fld id="{78C97017-6FC3-485B-9764-EAC9E56C1D49}" type="datetimeFigureOut">
               <a:rPr lang="en-US" smtClean="0"/>
-              <a:t>12/1/2018</a:t>
+              <a:t>09-Apr-19</a:t>
             </a:fld>
             <a:endParaRPr lang="en-US"/>
           </a:p>
@@ -2329,7 +2329,7 @@
           <a:p>
             <a:fld id="{78C97017-6FC3-485B-9764-EAC9E56C1D49}" type="datetimeFigureOut">
               <a:rPr lang="en-US" smtClean="0"/>
-              <a:t>12/1/2018</a:t>
+              <a:t>09-Apr-19</a:t>
             </a:fld>
             <a:endParaRPr lang="en-US"/>
           </a:p>
@@ -2604,7 +2604,7 @@
           <a:p>
             <a:fld id="{78C97017-6FC3-485B-9764-EAC9E56C1D49}" type="datetimeFigureOut">
               <a:rPr lang="en-US" smtClean="0"/>
-              <a:t>12/1/2018</a:t>
+              <a:t>09-Apr-19</a:t>
             </a:fld>
             <a:endParaRPr lang="en-US"/>
           </a:p>
@@ -2856,7 +2856,7 @@
           <a:p>
             <a:fld id="{78C97017-6FC3-485B-9764-EAC9E56C1D49}" type="datetimeFigureOut">
               <a:rPr lang="en-US" smtClean="0"/>
-              <a:t>12/1/2018</a:t>
+              <a:t>09-Apr-19</a:t>
             </a:fld>
             <a:endParaRPr lang="en-US"/>
           </a:p>
@@ -3067,7 +3067,7 @@
           <a:p>
             <a:fld id="{78C97017-6FC3-485B-9764-EAC9E56C1D49}" type="datetimeFigureOut">
               <a:rPr lang="en-US" smtClean="0"/>
-              <a:t>12/1/2018</a:t>
+              <a:t>09-Apr-19</a:t>
             </a:fld>
             <a:endParaRPr lang="en-US"/>
           </a:p>
@@ -3450,8 +3450,8 @@
         </p:nvSpPr>
         <p:spPr>
           <a:xfrm>
-            <a:off x="1119865" y="2086382"/>
-            <a:ext cx="7871735" cy="1723618"/>
+            <a:off x="685800" y="1676400"/>
+            <a:ext cx="7947935" cy="3171418"/>
           </a:xfrm>
           <a:prstGeom prst="roundRect">
             <a:avLst>
@@ -3515,7 +3515,7 @@
         </p:nvSpPr>
         <p:spPr>
           <a:xfrm>
-            <a:off x="2877180" y="3158440"/>
+            <a:off x="2443115" y="3007323"/>
             <a:ext cx="1323049" cy="346760"/>
           </a:xfrm>
           <a:prstGeom prst="rect">
@@ -3575,7 +3575,7 @@
                   <a:schemeClr val="bg1"/>
                 </a:solidFill>
               </a:rPr>
-              <a:t>AddressBookStorage</a:t>
+              <a:t>TaskBookStorage</a:t>
             </a:r>
             <a:endParaRPr lang="en-SG" sz="1050" dirty="0">
               <a:solidFill>
@@ -3593,8 +3593,8 @@
         </p:nvSpPr>
         <p:spPr>
           <a:xfrm rot="16200000">
-            <a:off x="1683963" y="2868687"/>
-            <a:ext cx="1093635" cy="346760"/>
+            <a:off x="759327" y="3208141"/>
+            <a:ext cx="2074778" cy="346760"/>
           </a:xfrm>
           <a:prstGeom prst="rect">
             <a:avLst/>
@@ -3656,7 +3656,7 @@
         </p:nvSpPr>
         <p:spPr>
           <a:xfrm rot="16200000">
-            <a:off x="956202" y="2861202"/>
+            <a:off x="522137" y="2710085"/>
             <a:ext cx="1093635" cy="346760"/>
           </a:xfrm>
           <a:prstGeom prst="rect">
@@ -3730,7 +3730,7 @@
         </p:nvSpPr>
         <p:spPr>
           <a:xfrm rot="16200000">
-            <a:off x="1626910" y="2952291"/>
+            <a:off x="1192845" y="2801174"/>
             <a:ext cx="270504" cy="175523"/>
           </a:xfrm>
           <a:prstGeom prst="triangle">
@@ -3788,7 +3788,7 @@
         </p:nvCxnSpPr>
         <p:spPr>
           <a:xfrm>
-            <a:off x="2656370" y="3326536"/>
+            <a:off x="2222305" y="3175419"/>
             <a:ext cx="220810" cy="5284"/>
           </a:xfrm>
           <a:prstGeom prst="straightConnector1">
@@ -3828,7 +3828,7 @@
         </p:nvCxnSpPr>
         <p:spPr>
           <a:xfrm>
-            <a:off x="910091" y="3040053"/>
+            <a:off x="476026" y="2888936"/>
             <a:ext cx="419548" cy="2860"/>
           </a:xfrm>
           <a:prstGeom prst="bentConnector3">
@@ -3873,7 +3873,7 @@
         </p:nvCxnSpPr>
         <p:spPr>
           <a:xfrm flipV="1">
-            <a:off x="1849924" y="3040052"/>
+            <a:off x="1415859" y="2888935"/>
             <a:ext cx="216105" cy="1"/>
           </a:xfrm>
           <a:prstGeom prst="line">
@@ -3914,7 +3914,7 @@
         </p:nvSpPr>
         <p:spPr>
           <a:xfrm>
-            <a:off x="2420322" y="3239846"/>
+            <a:off x="1986257" y="3088729"/>
             <a:ext cx="236048" cy="173380"/>
           </a:xfrm>
           <a:prstGeom prst="flowChartDecision">
@@ -3968,7 +3968,7 @@
         </p:nvCxnSpPr>
         <p:spPr>
           <a:xfrm flipV="1">
-            <a:off x="4398041" y="3331820"/>
+            <a:off x="3963976" y="3180703"/>
             <a:ext cx="223324" cy="1"/>
           </a:xfrm>
           <a:prstGeom prst="bentConnector3">
@@ -4011,7 +4011,7 @@
         </p:nvSpPr>
         <p:spPr>
           <a:xfrm rot="5400000" flipV="1">
-            <a:off x="4175027" y="3244059"/>
+            <a:off x="3740962" y="3092942"/>
             <a:ext cx="270504" cy="175523"/>
           </a:xfrm>
           <a:prstGeom prst="triangle">
@@ -4069,7 +4069,7 @@
         </p:nvCxnSpPr>
         <p:spPr>
           <a:xfrm>
-            <a:off x="5791200" y="3331820"/>
+            <a:off x="5357135" y="3180703"/>
             <a:ext cx="228600" cy="1970"/>
           </a:xfrm>
           <a:prstGeom prst="bentConnector3">
@@ -4112,7 +4112,7 @@
         </p:nvSpPr>
         <p:spPr>
           <a:xfrm>
-            <a:off x="4621365" y="3158440"/>
+            <a:off x="4187300" y="3007323"/>
             <a:ext cx="1169835" cy="346760"/>
           </a:xfrm>
           <a:prstGeom prst="rect">
@@ -4148,7 +4148,7 @@
                   </a:schemeClr>
                 </a:solidFill>
               </a:rPr>
-              <a:t>JsonAddressBook</a:t>
+              <a:t>JsonTaskBook</a:t>
             </a:r>
             <a:br>
               <a:rPr lang="en-US" sz="1050" b="1" dirty="0">
@@ -4187,7 +4187,7 @@
         </p:nvSpPr>
         <p:spPr>
           <a:xfrm>
-            <a:off x="2873943" y="2558040"/>
+            <a:off x="2439878" y="2406923"/>
             <a:ext cx="1323049" cy="346760"/>
           </a:xfrm>
           <a:prstGeom prst="rect">
@@ -4268,7 +4268,7 @@
         </p:nvCxnSpPr>
         <p:spPr>
           <a:xfrm>
-            <a:off x="2653133" y="2726136"/>
+            <a:off x="2219068" y="2575019"/>
             <a:ext cx="220810" cy="5284"/>
           </a:xfrm>
           <a:prstGeom prst="straightConnector1">
@@ -4308,7 +4308,7 @@
         </p:nvSpPr>
         <p:spPr>
           <a:xfrm>
-            <a:off x="2417085" y="2639446"/>
+            <a:off x="1983020" y="2488329"/>
             <a:ext cx="236048" cy="173380"/>
           </a:xfrm>
           <a:prstGeom prst="flowChartDecision">
@@ -4362,7 +4362,7 @@
         </p:nvCxnSpPr>
         <p:spPr>
           <a:xfrm flipV="1">
-            <a:off x="4394804" y="2731420"/>
+            <a:off x="3960739" y="2580303"/>
             <a:ext cx="223324" cy="1"/>
           </a:xfrm>
           <a:prstGeom prst="bentConnector3">
@@ -4405,7 +4405,7 @@
         </p:nvSpPr>
         <p:spPr>
           <a:xfrm rot="5400000" flipV="1">
-            <a:off x="4171790" y="2643659"/>
+            <a:off x="3737725" y="2492542"/>
             <a:ext cx="270504" cy="175523"/>
           </a:xfrm>
           <a:prstGeom prst="triangle">
@@ -4460,7 +4460,7 @@
         </p:nvSpPr>
         <p:spPr>
           <a:xfrm>
-            <a:off x="4618128" y="2558040"/>
+            <a:off x="4184063" y="2406923"/>
             <a:ext cx="1093635" cy="346760"/>
           </a:xfrm>
           <a:prstGeom prst="rect">
@@ -4538,7 +4538,7 @@
         </p:nvSpPr>
         <p:spPr>
           <a:xfrm>
-            <a:off x="6019800" y="3160410"/>
+            <a:off x="5585735" y="3009293"/>
             <a:ext cx="1200707" cy="346760"/>
           </a:xfrm>
           <a:prstGeom prst="rect">
@@ -4593,7 +4593,7 @@
                   </a:schemeClr>
                 </a:solidFill>
               </a:rPr>
-              <a:t>AddressBook</a:t>
+              <a:t>TaskBook</a:t>
             </a:r>
             <a:endParaRPr lang="en-SG" sz="1050" b="1" dirty="0">
               <a:solidFill>
@@ -4617,7 +4617,7 @@
         </p:nvCxnSpPr>
         <p:spPr>
           <a:xfrm rot="16200000" flipV="1">
-            <a:off x="8077993" y="2992019"/>
+            <a:off x="7643928" y="2840902"/>
             <a:ext cx="335208" cy="1"/>
           </a:xfrm>
           <a:prstGeom prst="bentConnector3">
@@ -4655,7 +4655,7 @@
         </p:nvSpPr>
         <p:spPr>
           <a:xfrm>
-            <a:off x="7615736" y="2477656"/>
+            <a:off x="7181671" y="2326539"/>
             <a:ext cx="1259719" cy="346760"/>
           </a:xfrm>
           <a:prstGeom prst="rect">
@@ -4711,7 +4711,7 @@
         </p:nvSpPr>
         <p:spPr>
           <a:xfrm>
-            <a:off x="7615738" y="3159624"/>
+            <a:off x="7181673" y="3008507"/>
             <a:ext cx="1259718" cy="346760"/>
           </a:xfrm>
           <a:prstGeom prst="rect">
@@ -4747,7 +4747,7 @@
                   </a:schemeClr>
                 </a:solidFill>
               </a:rPr>
-              <a:t>JsonAdaptedPerson</a:t>
+              <a:t>JsonAdaptedTask</a:t>
             </a:r>
             <a:endParaRPr lang="en-SG" sz="1030" b="1" dirty="0">
               <a:solidFill>
@@ -4770,13 +4770,748 @@
         </p:nvCxnSpPr>
         <p:spPr>
           <a:xfrm flipV="1">
-            <a:off x="7220507" y="3333004"/>
+            <a:off x="6786442" y="3181887"/>
             <a:ext cx="395231" cy="786"/>
           </a:xfrm>
           <a:prstGeom prst="bentConnector3">
             <a:avLst>
               <a:gd name="adj1" fmla="val 50000"/>
             </a:avLst>
+          </a:prstGeom>
+          <a:ln w="19050">
+            <a:prstDash val="sysDot"/>
+            <a:headEnd type="none" w="med" len="med"/>
+            <a:tailEnd type="arrow" w="med" len="med"/>
+          </a:ln>
+          <a:effectLst/>
+        </p:spPr>
+        <p:style>
+          <a:lnRef idx="1">
+            <a:schemeClr val="accent6"/>
+          </a:lnRef>
+          <a:fillRef idx="2">
+            <a:schemeClr val="accent6"/>
+          </a:fillRef>
+          <a:effectRef idx="1">
+            <a:schemeClr val="accent6"/>
+          </a:effectRef>
+          <a:fontRef idx="minor">
+            <a:schemeClr val="dk1"/>
+          </a:fontRef>
+        </p:style>
+      </p:cxnSp>
+      <p:sp>
+        <p:nvSpPr>
+          <p:cNvPr id="26" name="Rectangle 8">
+            <a:extLst>
+              <a:ext uri="{FF2B5EF4-FFF2-40B4-BE49-F238E27FC236}">
+                <a16:creationId xmlns:a16="http://schemas.microsoft.com/office/drawing/2014/main" id="{90FD5B4D-C1C2-4231-8CD6-14CF918C8E78}"/>
+              </a:ext>
+            </a:extLst>
+          </p:cNvPr>
+          <p:cNvSpPr/>
+          <p:nvPr/>
+        </p:nvSpPr>
+        <p:spPr>
+          <a:xfrm>
+            <a:off x="2461193" y="4072153"/>
+            <a:ext cx="1323049" cy="346760"/>
+          </a:xfrm>
+          <a:prstGeom prst="rect">
+            <a:avLst/>
+          </a:prstGeom>
+          <a:solidFill>
+            <a:schemeClr val="accent6">
+              <a:lumMod val="75000"/>
+            </a:schemeClr>
+          </a:solidFill>
+          <a:ln w="19050">
+            <a:solidFill>
+              <a:schemeClr val="accent6">
+                <a:lumMod val="75000"/>
+              </a:schemeClr>
+            </a:solidFill>
+          </a:ln>
+          <a:effectLst/>
+        </p:spPr>
+        <p:style>
+          <a:lnRef idx="1">
+            <a:schemeClr val="accent2"/>
+          </a:lnRef>
+          <a:fillRef idx="2">
+            <a:schemeClr val="accent2"/>
+          </a:fillRef>
+          <a:effectRef idx="1">
+            <a:schemeClr val="accent2"/>
+          </a:effectRef>
+          <a:fontRef idx="minor">
+            <a:schemeClr val="dk1"/>
+          </a:fontRef>
+        </p:style>
+        <p:txBody>
+          <a:bodyPr rtlCol="0" anchor="ctr"/>
+          <a:lstStyle/>
+          <a:p>
+            <a:pPr algn="ctr"/>
+            <a:r>
+              <a:rPr lang="en-US" sz="1050" dirty="0">
+                <a:solidFill>
+                  <a:schemeClr val="bg1"/>
+                </a:solidFill>
+              </a:rPr>
+              <a:t>&lt;&lt;interface&gt;&gt;</a:t>
+            </a:r>
+            <a:br>
+              <a:rPr lang="en-US" sz="1050" dirty="0">
+                <a:solidFill>
+                  <a:schemeClr val="bg1"/>
+                </a:solidFill>
+              </a:rPr>
+            </a:br>
+            <a:r>
+              <a:rPr lang="en-US" sz="1050" dirty="0" err="1">
+                <a:solidFill>
+                  <a:schemeClr val="bg1"/>
+                </a:solidFill>
+              </a:rPr>
+              <a:t>AccountListStorage</a:t>
+            </a:r>
+            <a:endParaRPr lang="en-SG" sz="1050" dirty="0">
+              <a:solidFill>
+                <a:schemeClr val="bg1"/>
+              </a:solidFill>
+            </a:endParaRPr>
+          </a:p>
+        </p:txBody>
+      </p:sp>
+      <p:cxnSp>
+        <p:nvCxnSpPr>
+          <p:cNvPr id="27" name="Straight Arrow Connector 26">
+            <a:extLst>
+              <a:ext uri="{FF2B5EF4-FFF2-40B4-BE49-F238E27FC236}">
+                <a16:creationId xmlns:a16="http://schemas.microsoft.com/office/drawing/2014/main" id="{138957F9-9228-4F41-BFC5-8656678C5BB9}"/>
+              </a:ext>
+            </a:extLst>
+          </p:cNvPr>
+          <p:cNvCxnSpPr>
+            <a:stCxn id="28" idx="3"/>
+            <a:endCxn id="26" idx="1"/>
+          </p:cNvCxnSpPr>
+          <p:nvPr/>
+        </p:nvCxnSpPr>
+        <p:spPr>
+          <a:xfrm>
+            <a:off x="2240383" y="4240249"/>
+            <a:ext cx="220810" cy="5284"/>
+          </a:xfrm>
+          <a:prstGeom prst="straightConnector1">
+            <a:avLst/>
+          </a:prstGeom>
+          <a:ln w="19050">
+            <a:solidFill>
+              <a:schemeClr val="accent6">
+                <a:lumMod val="75000"/>
+              </a:schemeClr>
+            </a:solidFill>
+            <a:headEnd type="none" w="med" len="med"/>
+            <a:tailEnd type="arrow" w="med" len="med"/>
+          </a:ln>
+          <a:effectLst/>
+        </p:spPr>
+        <p:style>
+          <a:lnRef idx="1">
+            <a:schemeClr val="accent2"/>
+          </a:lnRef>
+          <a:fillRef idx="2">
+            <a:schemeClr val="accent2"/>
+          </a:fillRef>
+          <a:effectRef idx="1">
+            <a:schemeClr val="accent2"/>
+          </a:effectRef>
+          <a:fontRef idx="minor">
+            <a:schemeClr val="dk1"/>
+          </a:fontRef>
+        </p:style>
+      </p:cxnSp>
+      <p:sp>
+        <p:nvSpPr>
+          <p:cNvPr id="28" name="Flowchart: Decision 96">
+            <a:extLst>
+              <a:ext uri="{FF2B5EF4-FFF2-40B4-BE49-F238E27FC236}">
+                <a16:creationId xmlns:a16="http://schemas.microsoft.com/office/drawing/2014/main" id="{23B0CB72-9A42-4CDB-982C-E61CBD93C069}"/>
+              </a:ext>
+            </a:extLst>
+          </p:cNvPr>
+          <p:cNvSpPr/>
+          <p:nvPr/>
+        </p:nvSpPr>
+        <p:spPr>
+          <a:xfrm>
+            <a:off x="2004335" y="4153559"/>
+            <a:ext cx="236048" cy="173380"/>
+          </a:xfrm>
+          <a:prstGeom prst="flowChartDecision">
+            <a:avLst/>
+          </a:prstGeom>
+          <a:noFill/>
+          <a:ln w="19050">
+            <a:solidFill>
+              <a:schemeClr val="accent6">
+                <a:lumMod val="75000"/>
+              </a:schemeClr>
+            </a:solidFill>
+          </a:ln>
+          <a:effectLst/>
+        </p:spPr>
+        <p:style>
+          <a:lnRef idx="1">
+            <a:schemeClr val="accent2"/>
+          </a:lnRef>
+          <a:fillRef idx="2">
+            <a:schemeClr val="accent2"/>
+          </a:fillRef>
+          <a:effectRef idx="1">
+            <a:schemeClr val="accent2"/>
+          </a:effectRef>
+          <a:fontRef idx="minor">
+            <a:schemeClr val="dk1"/>
+          </a:fontRef>
+        </p:style>
+        <p:txBody>
+          <a:bodyPr rtlCol="0" anchor="ctr"/>
+          <a:lstStyle/>
+          <a:p>
+            <a:pPr algn="ctr"/>
+            <a:endParaRPr lang="en-US" sz="1050">
+              <a:solidFill>
+                <a:schemeClr val="bg1"/>
+              </a:solidFill>
+            </a:endParaRPr>
+          </a:p>
+        </p:txBody>
+      </p:sp>
+      <p:cxnSp>
+        <p:nvCxnSpPr>
+          <p:cNvPr id="29" name="Elbow Connector 63">
+            <a:extLst>
+              <a:ext uri="{FF2B5EF4-FFF2-40B4-BE49-F238E27FC236}">
+                <a16:creationId xmlns:a16="http://schemas.microsoft.com/office/drawing/2014/main" id="{6FDBF4CA-613B-4131-8EE8-5960CA23A99D}"/>
+              </a:ext>
+            </a:extLst>
+          </p:cNvPr>
+          <p:cNvCxnSpPr>
+            <a:stCxn id="30" idx="3"/>
+            <a:endCxn id="32" idx="1"/>
+          </p:cNvCxnSpPr>
+          <p:nvPr/>
+        </p:nvCxnSpPr>
+        <p:spPr>
+          <a:xfrm flipV="1">
+            <a:off x="3982054" y="4245533"/>
+            <a:ext cx="223324" cy="1"/>
+          </a:xfrm>
+          <a:prstGeom prst="bentConnector3">
+            <a:avLst>
+              <a:gd name="adj1" fmla="val 50000"/>
+            </a:avLst>
+          </a:prstGeom>
+          <a:ln w="19050">
+            <a:solidFill>
+              <a:schemeClr val="accent6">
+                <a:lumMod val="75000"/>
+              </a:schemeClr>
+            </a:solidFill>
+            <a:prstDash val="sysDot"/>
+            <a:headEnd type="none" w="med" len="med"/>
+            <a:tailEnd type="none" w="med" len="med"/>
+          </a:ln>
+          <a:effectLst/>
+        </p:spPr>
+        <p:style>
+          <a:lnRef idx="1">
+            <a:schemeClr val="accent2"/>
+          </a:lnRef>
+          <a:fillRef idx="2">
+            <a:schemeClr val="accent2"/>
+          </a:fillRef>
+          <a:effectRef idx="1">
+            <a:schemeClr val="accent2"/>
+          </a:effectRef>
+          <a:fontRef idx="minor">
+            <a:schemeClr val="dk1"/>
+          </a:fontRef>
+        </p:style>
+      </p:cxnSp>
+      <p:sp>
+        <p:nvSpPr>
+          <p:cNvPr id="30" name="Isosceles Triangle 102">
+            <a:extLst>
+              <a:ext uri="{FF2B5EF4-FFF2-40B4-BE49-F238E27FC236}">
+                <a16:creationId xmlns:a16="http://schemas.microsoft.com/office/drawing/2014/main" id="{D101BD21-67B8-482C-8961-3A2537D41593}"/>
+              </a:ext>
+            </a:extLst>
+          </p:cNvPr>
+          <p:cNvSpPr/>
+          <p:nvPr/>
+        </p:nvSpPr>
+        <p:spPr>
+          <a:xfrm rot="5400000" flipV="1">
+            <a:off x="3759040" y="4157772"/>
+            <a:ext cx="270504" cy="175523"/>
+          </a:xfrm>
+          <a:prstGeom prst="triangle">
+            <a:avLst/>
+          </a:prstGeom>
+          <a:solidFill>
+            <a:schemeClr val="accent6">
+              <a:lumMod val="75000"/>
+            </a:schemeClr>
+          </a:solidFill>
+          <a:ln w="19050">
+            <a:solidFill>
+              <a:schemeClr val="accent6">
+                <a:lumMod val="75000"/>
+              </a:schemeClr>
+            </a:solidFill>
+          </a:ln>
+          <a:effectLst/>
+        </p:spPr>
+        <p:style>
+          <a:lnRef idx="1">
+            <a:schemeClr val="accent2"/>
+          </a:lnRef>
+          <a:fillRef idx="2">
+            <a:schemeClr val="accent2"/>
+          </a:fillRef>
+          <a:effectRef idx="1">
+            <a:schemeClr val="accent2"/>
+          </a:effectRef>
+          <a:fontRef idx="minor">
+            <a:schemeClr val="dk1"/>
+          </a:fontRef>
+        </p:style>
+        <p:txBody>
+          <a:bodyPr rtlCol="0" anchor="ctr"/>
+          <a:lstStyle/>
+          <a:p>
+            <a:pPr algn="ctr"/>
+            <a:endParaRPr lang="en-SG" sz="1050">
+              <a:solidFill>
+                <a:schemeClr val="bg1"/>
+              </a:solidFill>
+            </a:endParaRPr>
+          </a:p>
+        </p:txBody>
+      </p:sp>
+      <p:cxnSp>
+        <p:nvCxnSpPr>
+          <p:cNvPr id="31" name="Elbow Connector 122">
+            <a:extLst>
+              <a:ext uri="{FF2B5EF4-FFF2-40B4-BE49-F238E27FC236}">
+                <a16:creationId xmlns:a16="http://schemas.microsoft.com/office/drawing/2014/main" id="{83F4AC73-8073-4DFB-9FB0-EF0286C7887C}"/>
+              </a:ext>
+            </a:extLst>
+          </p:cNvPr>
+          <p:cNvCxnSpPr>
+            <a:stCxn id="32" idx="3"/>
+            <a:endCxn id="33" idx="1"/>
+          </p:cNvCxnSpPr>
+          <p:nvPr/>
+        </p:nvCxnSpPr>
+        <p:spPr>
+          <a:xfrm>
+            <a:off x="5375213" y="4245533"/>
+            <a:ext cx="228600" cy="1970"/>
+          </a:xfrm>
+          <a:prstGeom prst="bentConnector3">
+            <a:avLst>
+              <a:gd name="adj1" fmla="val 50000"/>
+            </a:avLst>
+          </a:prstGeom>
+          <a:ln w="19050">
+            <a:solidFill>
+              <a:schemeClr val="accent6">
+                <a:lumMod val="75000"/>
+              </a:schemeClr>
+            </a:solidFill>
+            <a:prstDash val="sysDot"/>
+            <a:headEnd type="none" w="med" len="med"/>
+            <a:tailEnd type="arrow" w="med" len="med"/>
+          </a:ln>
+          <a:effectLst/>
+        </p:spPr>
+        <p:style>
+          <a:lnRef idx="1">
+            <a:schemeClr val="accent2"/>
+          </a:lnRef>
+          <a:fillRef idx="2">
+            <a:schemeClr val="accent2"/>
+          </a:fillRef>
+          <a:effectRef idx="1">
+            <a:schemeClr val="accent2"/>
+          </a:effectRef>
+          <a:fontRef idx="minor">
+            <a:schemeClr val="dk1"/>
+          </a:fontRef>
+        </p:style>
+      </p:cxnSp>
+      <p:sp>
+        <p:nvSpPr>
+          <p:cNvPr id="32" name="Rectangle 8">
+            <a:extLst>
+              <a:ext uri="{FF2B5EF4-FFF2-40B4-BE49-F238E27FC236}">
+                <a16:creationId xmlns:a16="http://schemas.microsoft.com/office/drawing/2014/main" id="{3C01ED2D-F7F6-4562-8AA0-41062068B6CF}"/>
+              </a:ext>
+            </a:extLst>
+          </p:cNvPr>
+          <p:cNvSpPr/>
+          <p:nvPr/>
+        </p:nvSpPr>
+        <p:spPr>
+          <a:xfrm>
+            <a:off x="4205378" y="4072153"/>
+            <a:ext cx="1169835" cy="346760"/>
+          </a:xfrm>
+          <a:prstGeom prst="rect">
+            <a:avLst/>
+          </a:prstGeom>
+          <a:ln w="19050"/>
+          <a:effectLst/>
+        </p:spPr>
+        <p:style>
+          <a:lnRef idx="1">
+            <a:schemeClr val="accent6"/>
+          </a:lnRef>
+          <a:fillRef idx="2">
+            <a:schemeClr val="accent6"/>
+          </a:fillRef>
+          <a:effectRef idx="1">
+            <a:schemeClr val="accent6"/>
+          </a:effectRef>
+          <a:fontRef idx="minor">
+            <a:schemeClr val="dk1"/>
+          </a:fontRef>
+        </p:style>
+        <p:txBody>
+          <a:bodyPr rtlCol="0" anchor="ctr"/>
+          <a:lstStyle/>
+          <a:p>
+            <a:pPr algn="ctr"/>
+            <a:r>
+              <a:rPr lang="en-US" sz="1050" b="1" dirty="0" err="1">
+                <a:solidFill>
+                  <a:schemeClr val="accent6">
+                    <a:lumMod val="75000"/>
+                  </a:schemeClr>
+                </a:solidFill>
+              </a:rPr>
+              <a:t>JsonAccountList</a:t>
+            </a:r>
+            <a:br>
+              <a:rPr lang="en-US" sz="1050" b="1" dirty="0">
+                <a:solidFill>
+                  <a:schemeClr val="accent6">
+                    <a:lumMod val="75000"/>
+                  </a:schemeClr>
+                </a:solidFill>
+              </a:rPr>
+            </a:br>
+            <a:r>
+              <a:rPr lang="en-US" sz="1050" b="1" dirty="0">
+                <a:solidFill>
+                  <a:schemeClr val="accent6">
+                    <a:lumMod val="75000"/>
+                  </a:schemeClr>
+                </a:solidFill>
+              </a:rPr>
+              <a:t>Storage</a:t>
+            </a:r>
+            <a:endParaRPr lang="en-SG" sz="1050" b="1" dirty="0">
+              <a:solidFill>
+                <a:schemeClr val="accent6">
+                  <a:lumMod val="75000"/>
+                </a:schemeClr>
+              </a:solidFill>
+            </a:endParaRPr>
+          </a:p>
+        </p:txBody>
+      </p:sp>
+      <p:sp>
+        <p:nvSpPr>
+          <p:cNvPr id="33" name="Rectangle 8">
+            <a:extLst>
+              <a:ext uri="{FF2B5EF4-FFF2-40B4-BE49-F238E27FC236}">
+                <a16:creationId xmlns:a16="http://schemas.microsoft.com/office/drawing/2014/main" id="{FD7A2E8D-42BD-42F5-8252-004EDC6D88AB}"/>
+              </a:ext>
+            </a:extLst>
+          </p:cNvPr>
+          <p:cNvSpPr/>
+          <p:nvPr/>
+        </p:nvSpPr>
+        <p:spPr>
+          <a:xfrm>
+            <a:off x="5603813" y="4074123"/>
+            <a:ext cx="1200707" cy="346760"/>
+          </a:xfrm>
+          <a:prstGeom prst="rect">
+            <a:avLst/>
+          </a:prstGeom>
+          <a:ln w="19050"/>
+          <a:effectLst/>
+        </p:spPr>
+        <p:style>
+          <a:lnRef idx="1">
+            <a:schemeClr val="accent6"/>
+          </a:lnRef>
+          <a:fillRef idx="2">
+            <a:schemeClr val="accent6"/>
+          </a:fillRef>
+          <a:effectRef idx="1">
+            <a:schemeClr val="accent6"/>
+          </a:effectRef>
+          <a:fontRef idx="minor">
+            <a:schemeClr val="dk1"/>
+          </a:fontRef>
+        </p:style>
+        <p:txBody>
+          <a:bodyPr rtlCol="0" anchor="ctr"/>
+          <a:lstStyle/>
+          <a:p>
+            <a:pPr algn="ctr"/>
+            <a:r>
+              <a:rPr lang="en-US" sz="1050" b="1" dirty="0" err="1">
+                <a:solidFill>
+                  <a:schemeClr val="accent6">
+                    <a:lumMod val="75000"/>
+                  </a:schemeClr>
+                </a:solidFill>
+              </a:rPr>
+              <a:t>JsonSerializable</a:t>
+            </a:r>
+            <a:br>
+              <a:rPr lang="en-US" sz="1050" b="1" dirty="0">
+                <a:solidFill>
+                  <a:schemeClr val="accent6">
+                    <a:lumMod val="75000"/>
+                  </a:schemeClr>
+                </a:solidFill>
+              </a:rPr>
+            </a:br>
+            <a:r>
+              <a:rPr lang="en-US" sz="1050" b="1" dirty="0" err="1">
+                <a:solidFill>
+                  <a:schemeClr val="accent6">
+                    <a:lumMod val="75000"/>
+                  </a:schemeClr>
+                </a:solidFill>
+              </a:rPr>
+              <a:t>AccountList</a:t>
+            </a:r>
+            <a:endParaRPr lang="en-SG" sz="1050" b="1" dirty="0">
+              <a:solidFill>
+                <a:schemeClr val="accent6">
+                  <a:lumMod val="75000"/>
+                </a:schemeClr>
+              </a:solidFill>
+            </a:endParaRPr>
+          </a:p>
+        </p:txBody>
+      </p:sp>
+      <p:sp>
+        <p:nvSpPr>
+          <p:cNvPr id="34" name="Rectangle 8">
+            <a:extLst>
+              <a:ext uri="{FF2B5EF4-FFF2-40B4-BE49-F238E27FC236}">
+                <a16:creationId xmlns:a16="http://schemas.microsoft.com/office/drawing/2014/main" id="{0622B9E1-1376-4303-BA03-395572DFB1AC}"/>
+              </a:ext>
+            </a:extLst>
+          </p:cNvPr>
+          <p:cNvSpPr/>
+          <p:nvPr/>
+        </p:nvSpPr>
+        <p:spPr>
+          <a:xfrm>
+            <a:off x="7199751" y="4073337"/>
+            <a:ext cx="1357784" cy="346760"/>
+          </a:xfrm>
+          <a:prstGeom prst="rect">
+            <a:avLst/>
+          </a:prstGeom>
+          <a:ln w="19050"/>
+          <a:effectLst/>
+        </p:spPr>
+        <p:style>
+          <a:lnRef idx="1">
+            <a:schemeClr val="accent6"/>
+          </a:lnRef>
+          <a:fillRef idx="2">
+            <a:schemeClr val="accent6"/>
+          </a:fillRef>
+          <a:effectRef idx="1">
+            <a:schemeClr val="accent6"/>
+          </a:effectRef>
+          <a:fontRef idx="minor">
+            <a:schemeClr val="dk1"/>
+          </a:fontRef>
+        </p:style>
+        <p:txBody>
+          <a:bodyPr rtlCol="0" anchor="ctr"/>
+          <a:lstStyle/>
+          <a:p>
+            <a:pPr algn="ctr"/>
+            <a:r>
+              <a:rPr lang="en-US" sz="1030" b="1" dirty="0" err="1">
+                <a:solidFill>
+                  <a:schemeClr val="accent6">
+                    <a:lumMod val="75000"/>
+                  </a:schemeClr>
+                </a:solidFill>
+              </a:rPr>
+              <a:t>JsonAdaptedAccount</a:t>
+            </a:r>
+            <a:endParaRPr lang="en-SG" sz="1030" b="1" dirty="0">
+              <a:solidFill>
+                <a:schemeClr val="accent6">
+                  <a:lumMod val="75000"/>
+                </a:schemeClr>
+              </a:solidFill>
+            </a:endParaRPr>
+          </a:p>
+        </p:txBody>
+      </p:sp>
+      <p:cxnSp>
+        <p:nvCxnSpPr>
+          <p:cNvPr id="35" name="Elbow Connector 122">
+            <a:extLst>
+              <a:ext uri="{FF2B5EF4-FFF2-40B4-BE49-F238E27FC236}">
+                <a16:creationId xmlns:a16="http://schemas.microsoft.com/office/drawing/2014/main" id="{22FF14BB-A7B6-488C-B470-E648B1028A21}"/>
+              </a:ext>
+            </a:extLst>
+          </p:cNvPr>
+          <p:cNvCxnSpPr>
+            <a:cxnSpLocks/>
+            <a:stCxn id="33" idx="3"/>
+            <a:endCxn id="34" idx="1"/>
+          </p:cNvCxnSpPr>
+          <p:nvPr/>
+        </p:nvCxnSpPr>
+        <p:spPr>
+          <a:xfrm flipV="1">
+            <a:off x="6804520" y="4246717"/>
+            <a:ext cx="395231" cy="786"/>
+          </a:xfrm>
+          <a:prstGeom prst="bentConnector3">
+            <a:avLst>
+              <a:gd name="adj1" fmla="val 50000"/>
+            </a:avLst>
+          </a:prstGeom>
+          <a:ln w="19050">
+            <a:prstDash val="sysDot"/>
+            <a:headEnd type="none" w="med" len="med"/>
+            <a:tailEnd type="arrow" w="med" len="med"/>
+          </a:ln>
+          <a:effectLst/>
+        </p:spPr>
+        <p:style>
+          <a:lnRef idx="1">
+            <a:schemeClr val="accent6"/>
+          </a:lnRef>
+          <a:fillRef idx="2">
+            <a:schemeClr val="accent6"/>
+          </a:fillRef>
+          <a:effectRef idx="1">
+            <a:schemeClr val="accent6"/>
+          </a:effectRef>
+          <a:fontRef idx="minor">
+            <a:schemeClr val="dk1"/>
+          </a:fontRef>
+        </p:style>
+      </p:cxnSp>
+      <p:sp>
+        <p:nvSpPr>
+          <p:cNvPr id="36" name="Rectangle 8">
+            <a:extLst>
+              <a:ext uri="{FF2B5EF4-FFF2-40B4-BE49-F238E27FC236}">
+                <a16:creationId xmlns:a16="http://schemas.microsoft.com/office/drawing/2014/main" id="{1C972170-1D4A-4E1C-BCA8-7572002FFCAA}"/>
+              </a:ext>
+            </a:extLst>
+          </p:cNvPr>
+          <p:cNvSpPr/>
+          <p:nvPr/>
+        </p:nvSpPr>
+        <p:spPr>
+          <a:xfrm>
+            <a:off x="7181672" y="3517095"/>
+            <a:ext cx="1259718" cy="346760"/>
+          </a:xfrm>
+          <a:prstGeom prst="rect">
+            <a:avLst/>
+          </a:prstGeom>
+          <a:ln w="19050"/>
+          <a:effectLst/>
+        </p:spPr>
+        <p:style>
+          <a:lnRef idx="1">
+            <a:schemeClr val="accent6"/>
+          </a:lnRef>
+          <a:fillRef idx="2">
+            <a:schemeClr val="accent6"/>
+          </a:fillRef>
+          <a:effectRef idx="1">
+            <a:schemeClr val="accent6"/>
+          </a:effectRef>
+          <a:fontRef idx="minor">
+            <a:schemeClr val="dk1"/>
+          </a:fontRef>
+        </p:style>
+        <p:txBody>
+          <a:bodyPr rtlCol="0" anchor="ctr"/>
+          <a:lstStyle/>
+          <a:p>
+            <a:pPr algn="ctr"/>
+            <a:r>
+              <a:rPr lang="en-US" sz="1030" b="1" dirty="0" err="1">
+                <a:solidFill>
+                  <a:schemeClr val="accent6">
+                    <a:lumMod val="75000"/>
+                  </a:schemeClr>
+                </a:solidFill>
+              </a:rPr>
+              <a:t>JsonAdaptedDay</a:t>
+            </a:r>
+            <a:endParaRPr lang="en-SG" sz="1030" b="1" dirty="0">
+              <a:solidFill>
+                <a:schemeClr val="accent6">
+                  <a:lumMod val="75000"/>
+                </a:schemeClr>
+              </a:solidFill>
+            </a:endParaRPr>
+          </a:p>
+        </p:txBody>
+      </p:sp>
+      <p:cxnSp>
+        <p:nvCxnSpPr>
+          <p:cNvPr id="37" name="Elbow Connector 122">
+            <a:extLst>
+              <a:ext uri="{FF2B5EF4-FFF2-40B4-BE49-F238E27FC236}">
+                <a16:creationId xmlns:a16="http://schemas.microsoft.com/office/drawing/2014/main" id="{D59F5756-495A-4F93-BC55-643E2A08D955}"/>
+              </a:ext>
+            </a:extLst>
+          </p:cNvPr>
+          <p:cNvCxnSpPr>
+            <a:cxnSpLocks/>
+            <a:stCxn id="66" idx="2"/>
+            <a:endCxn id="36" idx="1"/>
+          </p:cNvCxnSpPr>
+          <p:nvPr/>
+        </p:nvCxnSpPr>
+        <p:spPr>
+          <a:xfrm rot="16200000" flipH="1">
+            <a:off x="6516669" y="3025472"/>
+            <a:ext cx="334422" cy="995583"/>
+          </a:xfrm>
+          <a:prstGeom prst="bentConnector2">
+            <a:avLst/>
           </a:prstGeom>
           <a:ln w="19050">
             <a:prstDash val="sysDot"/>
